--- a/PPT/JMeterKT.pptx
+++ b/PPT/JMeterKT.pptx
@@ -5,7 +5,7 @@
     <p:sldMasterId id="2147483648" r:id="rId1"/>
   </p:sldMasterIdLst>
   <p:notesMasterIdLst>
-    <p:notesMasterId r:id="rId9"/>
+    <p:notesMasterId r:id="rId10"/>
   </p:notesMasterIdLst>
   <p:sldIdLst>
     <p:sldId id="4841" r:id="rId2"/>
@@ -13,8 +13,9 @@
     <p:sldId id="8500" r:id="rId4"/>
     <p:sldId id="8502" r:id="rId5"/>
     <p:sldId id="8504" r:id="rId6"/>
-    <p:sldId id="8505" r:id="rId7"/>
-    <p:sldId id="8498" r:id="rId8"/>
+    <p:sldId id="8506" r:id="rId7"/>
+    <p:sldId id="8505" r:id="rId8"/>
+    <p:sldId id="8498" r:id="rId9"/>
   </p:sldIdLst>
   <p:sldSz cx="12192000" cy="6858000"/>
   <p:notesSz cx="6858000" cy="9144000"/>
@@ -203,7 +204,7 @@
           <a:p>
             <a:fld id="{A55CDDFB-F46F-424D-80B4-F0DCA315B462}" type="datetimeFigureOut">
               <a:rPr lang="en-IN" smtClean="0"/>
-              <a:t>01-04-2025</a:t>
+              <a:t>02-04-2025</a:t>
             </a:fld>
             <a:endParaRPr lang="en-IN"/>
           </a:p>
@@ -764,7 +765,7 @@
           <a:p>
             <a:fld id="{1E297368-9517-4503-9A2D-81C10560C46D}" type="datetimeFigureOut">
               <a:rPr lang="en-IN" smtClean="0"/>
-              <a:t>01-04-2025</a:t>
+              <a:t>02-04-2025</a:t>
             </a:fld>
             <a:endParaRPr lang="en-IN"/>
           </a:p>
@@ -964,7 +965,7 @@
           <a:p>
             <a:fld id="{1E297368-9517-4503-9A2D-81C10560C46D}" type="datetimeFigureOut">
               <a:rPr lang="en-IN" smtClean="0"/>
-              <a:t>01-04-2025</a:t>
+              <a:t>02-04-2025</a:t>
             </a:fld>
             <a:endParaRPr lang="en-IN"/>
           </a:p>
@@ -1174,7 +1175,7 @@
           <a:p>
             <a:fld id="{1E297368-9517-4503-9A2D-81C10560C46D}" type="datetimeFigureOut">
               <a:rPr lang="en-IN" smtClean="0"/>
-              <a:t>01-04-2025</a:t>
+              <a:t>02-04-2025</a:t>
             </a:fld>
             <a:endParaRPr lang="en-IN"/>
           </a:p>
@@ -7362,7 +7363,7 @@
           <a:p>
             <a:fld id="{1E297368-9517-4503-9A2D-81C10560C46D}" type="datetimeFigureOut">
               <a:rPr lang="en-IN" smtClean="0"/>
-              <a:t>01-04-2025</a:t>
+              <a:t>02-04-2025</a:t>
             </a:fld>
             <a:endParaRPr lang="en-IN"/>
           </a:p>
@@ -7638,7 +7639,7 @@
           <a:p>
             <a:fld id="{1E297368-9517-4503-9A2D-81C10560C46D}" type="datetimeFigureOut">
               <a:rPr lang="en-IN" smtClean="0"/>
-              <a:t>01-04-2025</a:t>
+              <a:t>02-04-2025</a:t>
             </a:fld>
             <a:endParaRPr lang="en-IN"/>
           </a:p>
@@ -7906,7 +7907,7 @@
           <a:p>
             <a:fld id="{1E297368-9517-4503-9A2D-81C10560C46D}" type="datetimeFigureOut">
               <a:rPr lang="en-IN" smtClean="0"/>
-              <a:t>01-04-2025</a:t>
+              <a:t>02-04-2025</a:t>
             </a:fld>
             <a:endParaRPr lang="en-IN"/>
           </a:p>
@@ -8321,7 +8322,7 @@
           <a:p>
             <a:fld id="{1E297368-9517-4503-9A2D-81C10560C46D}" type="datetimeFigureOut">
               <a:rPr lang="en-IN" smtClean="0"/>
-              <a:t>01-04-2025</a:t>
+              <a:t>02-04-2025</a:t>
             </a:fld>
             <a:endParaRPr lang="en-IN"/>
           </a:p>
@@ -8463,7 +8464,7 @@
           <a:p>
             <a:fld id="{1E297368-9517-4503-9A2D-81C10560C46D}" type="datetimeFigureOut">
               <a:rPr lang="en-IN" smtClean="0"/>
-              <a:t>01-04-2025</a:t>
+              <a:t>02-04-2025</a:t>
             </a:fld>
             <a:endParaRPr lang="en-IN"/>
           </a:p>
@@ -8576,7 +8577,7 @@
           <a:p>
             <a:fld id="{1E297368-9517-4503-9A2D-81C10560C46D}" type="datetimeFigureOut">
               <a:rPr lang="en-IN" smtClean="0"/>
-              <a:t>01-04-2025</a:t>
+              <a:t>02-04-2025</a:t>
             </a:fld>
             <a:endParaRPr lang="en-IN"/>
           </a:p>
@@ -8889,7 +8890,7 @@
           <a:p>
             <a:fld id="{1E297368-9517-4503-9A2D-81C10560C46D}" type="datetimeFigureOut">
               <a:rPr lang="en-IN" smtClean="0"/>
-              <a:t>01-04-2025</a:t>
+              <a:t>02-04-2025</a:t>
             </a:fld>
             <a:endParaRPr lang="en-IN"/>
           </a:p>
@@ -9178,7 +9179,7 @@
           <a:p>
             <a:fld id="{1E297368-9517-4503-9A2D-81C10560C46D}" type="datetimeFigureOut">
               <a:rPr lang="en-IN" smtClean="0"/>
-              <a:t>01-04-2025</a:t>
+              <a:t>02-04-2025</a:t>
             </a:fld>
             <a:endParaRPr lang="en-IN"/>
           </a:p>
@@ -9421,7 +9422,7 @@
           <a:p>
             <a:fld id="{1E297368-9517-4503-9A2D-81C10560C46D}" type="datetimeFigureOut">
               <a:rPr lang="en-IN" smtClean="0"/>
-              <a:t>01-04-2025</a:t>
+              <a:t>02-04-2025</a:t>
             </a:fld>
             <a:endParaRPr lang="en-IN"/>
           </a:p>
@@ -11314,10 +11315,10 @@
           <a:lstStyle/>
           <a:p>
             <a:r>
-              <a:rPr lang="en-US" dirty="0"/>
+              <a:rPr lang="en-US" u="sng" dirty="0"/>
               <a:t>Load Testing Using JMeter</a:t>
             </a:r>
-            <a:endParaRPr lang="en-IN" dirty="0"/>
+            <a:endParaRPr lang="en-IN" u="sng" dirty="0"/>
           </a:p>
         </p:txBody>
       </p:sp>
@@ -11506,10 +11507,10 @@
           <a:lstStyle/>
           <a:p>
             <a:r>
-              <a:rPr lang="en-US" sz="2000" dirty="0"/>
+              <a:rPr lang="en-US" u="sng" dirty="0"/>
               <a:t>Setting UP JMeter</a:t>
             </a:r>
-            <a:endParaRPr lang="en-IN" sz="2000" dirty="0"/>
+            <a:endParaRPr lang="en-IN" u="sng" dirty="0"/>
           </a:p>
         </p:txBody>
       </p:sp>
@@ -11536,8 +11537,12 @@
           </a:bodyPr>
           <a:lstStyle/>
           <a:p>
+            <a:pPr marL="285750" indent="-285750">
+              <a:buFont typeface="Wingdings" panose="05000000000000000000" pitchFamily="2" charset="2"/>
+              <a:buChar char="Ø"/>
+            </a:pPr>
             <a:r>
-              <a:rPr lang="en-IN" sz="1600" dirty="0">
+              <a:rPr lang="en-IN" sz="1800" dirty="0">
                 <a:solidFill>
                   <a:schemeClr val="tx1"/>
                 </a:solidFill>
@@ -11546,7 +11551,7 @@
               <a:t>Install Java : </a:t>
             </a:r>
             <a:r>
-              <a:rPr lang="en-IN" sz="1600" b="0" i="0" u="none" strike="noStrike" dirty="0">
+              <a:rPr lang="en-IN" sz="1800" b="0" i="0" u="none" strike="noStrike" dirty="0">
                 <a:solidFill>
                   <a:schemeClr val="tx1"/>
                 </a:solidFill>
@@ -11562,7 +11567,7 @@
               </a:rPr>
               <a:t>Windows Offline (64-bit)</a:t>
             </a:r>
-            <a:endParaRPr lang="en-IN" sz="1600" b="0" i="0" u="none" strike="noStrike" dirty="0">
+            <a:endParaRPr lang="en-IN" sz="1800" b="0" i="0" u="none" strike="noStrike" dirty="0">
               <a:solidFill>
                 <a:schemeClr val="tx1"/>
               </a:solidFill>
@@ -11571,8 +11576,12 @@
             </a:endParaRPr>
           </a:p>
           <a:p>
+            <a:pPr marL="285750" indent="-285750">
+              <a:buFont typeface="Wingdings" panose="05000000000000000000" pitchFamily="2" charset="2"/>
+              <a:buChar char="Ø"/>
+            </a:pPr>
             <a:r>
-              <a:rPr lang="en-IN" sz="1600" dirty="0">
+              <a:rPr lang="en-IN" sz="1800" dirty="0">
                 <a:solidFill>
                   <a:schemeClr val="tx1"/>
                 </a:solidFill>
@@ -11581,7 +11590,7 @@
               <a:t>Install JMeter : </a:t>
             </a:r>
             <a:r>
-              <a:rPr lang="en-IN" sz="1600" dirty="0">
+              <a:rPr lang="en-IN" sz="1800" dirty="0">
                 <a:solidFill>
                   <a:schemeClr val="tx1"/>
                 </a:solidFill>
@@ -11597,7 +11606,7 @@
               </a:rPr>
               <a:t>apache-jmeter-5.6.3.zip</a:t>
             </a:r>
-            <a:endParaRPr lang="en-IN" sz="1600" dirty="0">
+            <a:endParaRPr lang="en-IN" sz="1800" dirty="0">
               <a:solidFill>
                 <a:schemeClr val="tx1"/>
               </a:solidFill>
@@ -11606,8 +11615,12 @@
             </a:endParaRPr>
           </a:p>
           <a:p>
+            <a:pPr marL="285750" indent="-285750">
+              <a:buFont typeface="Wingdings" panose="05000000000000000000" pitchFamily="2" charset="2"/>
+              <a:buChar char="Ø"/>
+            </a:pPr>
             <a:r>
-              <a:rPr lang="en-IN" sz="1600" dirty="0">
+              <a:rPr lang="en-IN" sz="1800" dirty="0">
                 <a:solidFill>
                   <a:schemeClr val="tx1"/>
                 </a:solidFill>
@@ -11616,7 +11629,7 @@
               <a:t>Verify JMeter Installation : Launch JMeter , Navigate to the bin </a:t>
             </a:r>
             <a:r>
-              <a:rPr lang="en-US" sz="1600" dirty="0">
+              <a:rPr lang="en-US" sz="1800" dirty="0">
                 <a:solidFill>
                   <a:schemeClr val="tx1"/>
                 </a:solidFill>
@@ -11624,7 +11637,13 @@
               </a:rPr>
               <a:t>directory inside the extracted folder and run jmeter.bat </a:t>
             </a:r>
-            <a:endParaRPr lang="en-IN" sz="1600" dirty="0">
+          </a:p>
+          <a:p>
+            <a:pPr marL="285750" indent="-285750">
+              <a:buFont typeface="Wingdings" panose="05000000000000000000" pitchFamily="2" charset="2"/>
+              <a:buChar char="Ø"/>
+            </a:pPr>
+            <a:endParaRPr lang="en-IN" sz="1800" dirty="0">
               <a:solidFill>
                 <a:schemeClr val="tx1"/>
               </a:solidFill>
@@ -11760,6 +11779,111 @@
   <p:cSld>
     <p:spTree>
       <p:nvGrpSpPr>
+        <p:cNvPr id="1" name=""/>
+        <p:cNvGrpSpPr/>
+        <p:nvPr/>
+      </p:nvGrpSpPr>
+      <p:grpSpPr>
+        <a:xfrm>
+          <a:off x="0" y="0"/>
+          <a:ext cx="0" cy="0"/>
+          <a:chOff x="0" y="0"/>
+          <a:chExt cx="0" cy="0"/>
+        </a:xfrm>
+      </p:grpSpPr>
+      <p:sp>
+        <p:nvSpPr>
+          <p:cNvPr id="2" name="Title 1">
+            <a:extLst>
+              <a:ext uri="{FF2B5EF4-FFF2-40B4-BE49-F238E27FC236}">
+                <a16:creationId xmlns:a16="http://schemas.microsoft.com/office/drawing/2014/main" id="{98FE712F-8364-98BD-7105-6086DFD982D6}"/>
+              </a:ext>
+            </a:extLst>
+          </p:cNvPr>
+          <p:cNvSpPr>
+            <a:spLocks noGrp="1"/>
+          </p:cNvSpPr>
+          <p:nvPr>
+            <p:ph type="title"/>
+          </p:nvPr>
+        </p:nvSpPr>
+        <p:spPr/>
+        <p:txBody>
+          <a:bodyPr/>
+          <a:lstStyle/>
+          <a:p>
+            <a:r>
+              <a:rPr lang="sv-SE" u="sng" dirty="0"/>
+              <a:t>Running  JMeter in non-GUI (CLI)</a:t>
+            </a:r>
+            <a:endParaRPr lang="en-IN" u="sng" dirty="0"/>
+          </a:p>
+        </p:txBody>
+      </p:sp>
+      <p:sp>
+        <p:nvSpPr>
+          <p:cNvPr id="3" name="Text Placeholder 2">
+            <a:extLst>
+              <a:ext uri="{FF2B5EF4-FFF2-40B4-BE49-F238E27FC236}">
+                <a16:creationId xmlns:a16="http://schemas.microsoft.com/office/drawing/2014/main" id="{E3F3219A-A35A-A49C-7D21-D2F7B2A30887}"/>
+              </a:ext>
+            </a:extLst>
+          </p:cNvPr>
+          <p:cNvSpPr>
+            <a:spLocks noGrp="1"/>
+          </p:cNvSpPr>
+          <p:nvPr>
+            <p:ph type="body" sz="quarter" idx="10"/>
+          </p:nvPr>
+        </p:nvSpPr>
+        <p:spPr>
+          <a:xfrm>
+            <a:off x="1059972" y="2207017"/>
+            <a:ext cx="10339200" cy="855672"/>
+          </a:xfrm>
+          <a:solidFill>
+            <a:schemeClr val="bg2">
+              <a:lumMod val="75000"/>
+            </a:schemeClr>
+          </a:solidFill>
+        </p:spPr>
+        <p:txBody>
+          <a:bodyPr>
+            <a:normAutofit/>
+          </a:bodyPr>
+          <a:lstStyle/>
+          <a:p>
+            <a:pPr algn="ctr"/>
+            <a:r>
+              <a:rPr lang="pt-BR" sz="2800" dirty="0">
+                <a:latin typeface="+mj-lt"/>
+              </a:rPr>
+              <a:t>jmeter -n -t  Your_Test_Plan.jmx -l results.csv -e -o report</a:t>
+            </a:r>
+            <a:endParaRPr lang="en-IN" sz="2800" dirty="0">
+              <a:latin typeface="+mj-lt"/>
+            </a:endParaRPr>
+          </a:p>
+        </p:txBody>
+      </p:sp>
+    </p:spTree>
+    <p:extLst>
+      <p:ext uri="{BB962C8B-B14F-4D97-AF65-F5344CB8AC3E}">
+        <p14:creationId xmlns:p14="http://schemas.microsoft.com/office/powerpoint/2010/main" val="3017044697"/>
+      </p:ext>
+    </p:extLst>
+  </p:cSld>
+  <p:clrMapOvr>
+    <a:masterClrMapping/>
+  </p:clrMapOvr>
+</p:sld>
+</file>
+
+<file path=ppt/slides/slide7.xml><?xml version="1.0" encoding="utf-8"?>
+<p:sld xmlns:a="http://schemas.openxmlformats.org/drawingml/2006/main" xmlns:r="http://schemas.openxmlformats.org/officeDocument/2006/relationships" xmlns:p="http://schemas.openxmlformats.org/presentationml/2006/main">
+  <p:cSld>
+    <p:spTree>
+      <p:nvGrpSpPr>
         <p:cNvPr id="1" name="">
           <a:extLst>
             <a:ext uri="{FF2B5EF4-FFF2-40B4-BE49-F238E27FC236}">
@@ -11824,7 +11948,7 @@
 </p:sld>
 </file>
 
-<file path=ppt/slides/slide7.xml><?xml version="1.0" encoding="utf-8"?>
+<file path=ppt/slides/slide8.xml><?xml version="1.0" encoding="utf-8"?>
 <p:sld xmlns:a="http://schemas.openxmlformats.org/drawingml/2006/main" xmlns:r="http://schemas.openxmlformats.org/officeDocument/2006/relationships" xmlns:p="http://schemas.openxmlformats.org/presentationml/2006/main">
   <p:cSld>
     <p:spTree>
